--- a/docs/builder mock.pptx
+++ b/docs/builder mock.pptx
@@ -259,7 +259,7 @@
           <a:p>
             <a:fld id="{5A904ABC-4E6D-48C2-BDFE-02D4B774416D}" type="datetimeFigureOut">
               <a:rPr lang="en-US" smtClean="0"/>
-              <a:t>2/26/2023</a:t>
+              <a:t>8/26/2023</a:t>
             </a:fld>
             <a:endParaRPr lang="en-US"/>
           </a:p>
@@ -457,7 +457,7 @@
           <a:p>
             <a:fld id="{5A904ABC-4E6D-48C2-BDFE-02D4B774416D}" type="datetimeFigureOut">
               <a:rPr lang="en-US" smtClean="0"/>
-              <a:t>2/26/2023</a:t>
+              <a:t>8/26/2023</a:t>
             </a:fld>
             <a:endParaRPr lang="en-US"/>
           </a:p>
@@ -665,7 +665,7 @@
           <a:p>
             <a:fld id="{5A904ABC-4E6D-48C2-BDFE-02D4B774416D}" type="datetimeFigureOut">
               <a:rPr lang="en-US" smtClean="0"/>
-              <a:t>2/26/2023</a:t>
+              <a:t>8/26/2023</a:t>
             </a:fld>
             <a:endParaRPr lang="en-US"/>
           </a:p>
@@ -863,7 +863,7 @@
           <a:p>
             <a:fld id="{5A904ABC-4E6D-48C2-BDFE-02D4B774416D}" type="datetimeFigureOut">
               <a:rPr lang="en-US" smtClean="0"/>
-              <a:t>2/26/2023</a:t>
+              <a:t>8/26/2023</a:t>
             </a:fld>
             <a:endParaRPr lang="en-US"/>
           </a:p>
@@ -1138,7 +1138,7 @@
           <a:p>
             <a:fld id="{5A904ABC-4E6D-48C2-BDFE-02D4B774416D}" type="datetimeFigureOut">
               <a:rPr lang="en-US" smtClean="0"/>
-              <a:t>2/26/2023</a:t>
+              <a:t>8/26/2023</a:t>
             </a:fld>
             <a:endParaRPr lang="en-US"/>
           </a:p>
@@ -1403,7 +1403,7 @@
           <a:p>
             <a:fld id="{5A904ABC-4E6D-48C2-BDFE-02D4B774416D}" type="datetimeFigureOut">
               <a:rPr lang="en-US" smtClean="0"/>
-              <a:t>2/26/2023</a:t>
+              <a:t>8/26/2023</a:t>
             </a:fld>
             <a:endParaRPr lang="en-US"/>
           </a:p>
@@ -1815,7 +1815,7 @@
           <a:p>
             <a:fld id="{5A904ABC-4E6D-48C2-BDFE-02D4B774416D}" type="datetimeFigureOut">
               <a:rPr lang="en-US" smtClean="0"/>
-              <a:t>2/26/2023</a:t>
+              <a:t>8/26/2023</a:t>
             </a:fld>
             <a:endParaRPr lang="en-US"/>
           </a:p>
@@ -1956,7 +1956,7 @@
           <a:p>
             <a:fld id="{5A904ABC-4E6D-48C2-BDFE-02D4B774416D}" type="datetimeFigureOut">
               <a:rPr lang="en-US" smtClean="0"/>
-              <a:t>2/26/2023</a:t>
+              <a:t>8/26/2023</a:t>
             </a:fld>
             <a:endParaRPr lang="en-US"/>
           </a:p>
@@ -2069,7 +2069,7 @@
           <a:p>
             <a:fld id="{5A904ABC-4E6D-48C2-BDFE-02D4B774416D}" type="datetimeFigureOut">
               <a:rPr lang="en-US" smtClean="0"/>
-              <a:t>2/26/2023</a:t>
+              <a:t>8/26/2023</a:t>
             </a:fld>
             <a:endParaRPr lang="en-US"/>
           </a:p>
@@ -2380,7 +2380,7 @@
           <a:p>
             <a:fld id="{5A904ABC-4E6D-48C2-BDFE-02D4B774416D}" type="datetimeFigureOut">
               <a:rPr lang="en-US" smtClean="0"/>
-              <a:t>2/26/2023</a:t>
+              <a:t>8/26/2023</a:t>
             </a:fld>
             <a:endParaRPr lang="en-US"/>
           </a:p>
@@ -2671,7 +2671,7 @@
           <a:p>
             <a:fld id="{5A904ABC-4E6D-48C2-BDFE-02D4B774416D}" type="datetimeFigureOut">
               <a:rPr lang="en-US" smtClean="0"/>
-              <a:t>2/26/2023</a:t>
+              <a:t>8/26/2023</a:t>
             </a:fld>
             <a:endParaRPr lang="en-US"/>
           </a:p>
@@ -2915,7 +2915,7 @@
             <a:fld id="{5A904ABC-4E6D-48C2-BDFE-02D4B774416D}" type="datetimeFigureOut">
               <a:rPr lang="en-US" smtClean="0"/>
               <a:pPr/>
-              <a:t>2/26/2023</a:t>
+              <a:t>8/26/2023</a:t>
             </a:fld>
             <a:endParaRPr lang="en-US"/>
           </a:p>
@@ -3415,8 +3415,8 @@
         </p:nvSpPr>
         <p:spPr>
           <a:xfrm>
-            <a:off x="4567238" y="628650"/>
-            <a:ext cx="3057525" cy="400110"/>
+            <a:off x="4535181" y="628650"/>
+            <a:ext cx="3121638" cy="400110"/>
           </a:xfrm>
           <a:prstGeom prst="rect">
             <a:avLst/>
@@ -3431,11 +3431,23 @@
           <a:p>
             <a:pPr algn="ctr"/>
             <a:r>
+              <a:rPr lang="en-US" sz="2000" b="1" u="heavy" dirty="0" err="1">
+                <a:uFill>
+                  <a:solidFill>
+                    <a:srgbClr val="808080"/>
+                  </a:solidFill>
+                </a:uFill>
+                <a:latin typeface="Georgia" panose="02040502050405020303" pitchFamily="18" charset="0"/>
+                <a:cs typeface="Segoe UI" panose="020B0502040204020203" pitchFamily="34" charset="0"/>
+              </a:rPr>
+              <a:t>Sreeni</a:t>
+            </a:r>
+            <a:r>
               <a:rPr lang="en-US" sz="2000" b="1" dirty="0" err="1">
                 <a:latin typeface="Georgia" panose="02040502050405020303" pitchFamily="18" charset="0"/>
                 <a:cs typeface="Segoe UI" panose="020B0502040204020203" pitchFamily="34" charset="0"/>
               </a:rPr>
-              <a:t>Sreeni’s</a:t>
+              <a:t>’s</a:t>
             </a:r>
             <a:r>
               <a:rPr lang="en-US" sz="2000" b="1" dirty="0">
@@ -3449,10 +3461,10 @@
       </p:sp>
       <p:sp>
         <p:nvSpPr>
-          <p:cNvPr id="5" name="TextBox 4">
-            <a:extLst>
-              <a:ext uri="{FF2B5EF4-FFF2-40B4-BE49-F238E27FC236}">
-                <a16:creationId xmlns:a16="http://schemas.microsoft.com/office/drawing/2014/main" id="{6E5725EE-5A78-7061-3A4C-0FA4BA919F5D}"/>
+          <p:cNvPr id="4" name="TextBox 3">
+            <a:extLst>
+              <a:ext uri="{FF2B5EF4-FFF2-40B4-BE49-F238E27FC236}">
+                <a16:creationId xmlns:a16="http://schemas.microsoft.com/office/drawing/2014/main" id="{B0E5A003-08AC-5CEA-E21B-833EB321BEEA}"/>
               </a:ext>
             </a:extLst>
           </p:cNvPr>
@@ -3461,8 +3473,8 @@
         </p:nvSpPr>
         <p:spPr>
           <a:xfrm>
-            <a:off x="4505690" y="1030189"/>
-            <a:ext cx="3057525" cy="246221"/>
+            <a:off x="685799" y="1276409"/>
+            <a:ext cx="2602523" cy="246221"/>
           </a:xfrm>
           <a:prstGeom prst="rect">
             <a:avLst/>
@@ -3475,25 +3487,2012 @@
           </a:bodyPr>
           <a:lstStyle/>
           <a:p>
-            <a:pPr algn="ctr"/>
             <a:r>
               <a:rPr lang="en-US" sz="1000" dirty="0">
                 <a:latin typeface="Segoe UI" panose="020B0502040204020203" pitchFamily="34" charset="0"/>
                 <a:cs typeface="Segoe UI" panose="020B0502040204020203" pitchFamily="34" charset="0"/>
               </a:rPr>
-              <a:t>✏️ </a:t>
-            </a:r>
-            <a:r>
-              <a:rPr lang="en-US" sz="1000">
+              <a:t>Click/tap on course to add:</a:t>
+            </a:r>
+          </a:p>
+        </p:txBody>
+      </p:sp>
+      <p:grpSp>
+        <p:nvGrpSpPr>
+          <p:cNvPr id="14" name="Group 13">
+            <a:extLst>
+              <a:ext uri="{FF2B5EF4-FFF2-40B4-BE49-F238E27FC236}">
+                <a16:creationId xmlns:a16="http://schemas.microsoft.com/office/drawing/2014/main" id="{08AA5D61-6C78-B58E-2BF3-14CB3F9CF3B5}"/>
+              </a:ext>
+            </a:extLst>
+          </p:cNvPr>
+          <p:cNvGrpSpPr/>
+          <p:nvPr/>
+        </p:nvGrpSpPr>
+        <p:grpSpPr>
+          <a:xfrm>
+            <a:off x="685800" y="1522631"/>
+            <a:ext cx="2602523" cy="1723547"/>
+            <a:chOff x="685800" y="1522631"/>
+            <a:chExt cx="2602523" cy="1723547"/>
+          </a:xfrm>
+        </p:grpSpPr>
+        <p:sp>
+          <p:nvSpPr>
+            <p:cNvPr id="6" name="Rectangle 5">
+              <a:extLst>
+                <a:ext uri="{FF2B5EF4-FFF2-40B4-BE49-F238E27FC236}">
+                  <a16:creationId xmlns:a16="http://schemas.microsoft.com/office/drawing/2014/main" id="{CB07B859-C9E5-595F-8D1B-C62F4C97F742}"/>
+                </a:ext>
+              </a:extLst>
+            </p:cNvPr>
+            <p:cNvSpPr/>
+            <p:nvPr/>
+          </p:nvSpPr>
+          <p:spPr>
+            <a:xfrm>
+              <a:off x="685800" y="1522631"/>
+              <a:ext cx="2602523" cy="1723547"/>
+            </a:xfrm>
+            <a:prstGeom prst="rect">
+              <a:avLst/>
+            </a:prstGeom>
+            <a:noFill/>
+            <a:ln>
+              <a:solidFill>
+                <a:schemeClr val="bg1">
+                  <a:lumMod val="65000"/>
+                </a:schemeClr>
+              </a:solidFill>
+            </a:ln>
+          </p:spPr>
+          <p:style>
+            <a:lnRef idx="2">
+              <a:schemeClr val="accent1">
+                <a:shade val="15000"/>
+              </a:schemeClr>
+            </a:lnRef>
+            <a:fillRef idx="1">
+              <a:schemeClr val="accent1"/>
+            </a:fillRef>
+            <a:effectRef idx="0">
+              <a:schemeClr val="accent1"/>
+            </a:effectRef>
+            <a:fontRef idx="minor">
+              <a:schemeClr val="lt1"/>
+            </a:fontRef>
+          </p:style>
+          <p:txBody>
+            <a:bodyPr rtlCol="0" anchor="ctr"/>
+            <a:lstStyle/>
+            <a:p>
+              <a:pPr algn="ctr"/>
+              <a:endParaRPr lang="en-US"/>
+            </a:p>
+          </p:txBody>
+        </p:sp>
+        <p:sp>
+          <p:nvSpPr>
+            <p:cNvPr id="7" name="TextBox 6">
+              <a:extLst>
+                <a:ext uri="{FF2B5EF4-FFF2-40B4-BE49-F238E27FC236}">
+                  <a16:creationId xmlns:a16="http://schemas.microsoft.com/office/drawing/2014/main" id="{77E02B01-5E36-F1C6-BF49-7F99AF23C7F6}"/>
+                </a:ext>
+              </a:extLst>
+            </p:cNvPr>
+            <p:cNvSpPr txBox="1"/>
+            <p:nvPr/>
+          </p:nvSpPr>
+          <p:spPr>
+            <a:xfrm>
+              <a:off x="685800" y="1522631"/>
+              <a:ext cx="2602523" cy="246221"/>
+            </a:xfrm>
+            <a:prstGeom prst="rect">
+              <a:avLst/>
+            </a:prstGeom>
+            <a:noFill/>
+          </p:spPr>
+          <p:txBody>
+            <a:bodyPr wrap="square" rtlCol="0" anchor="t" anchorCtr="0">
+              <a:spAutoFit/>
+            </a:bodyPr>
+            <a:lstStyle/>
+            <a:p>
+              <a:r>
+                <a:rPr lang="en-US" sz="1000" b="1" dirty="0">
+                  <a:latin typeface="Segoe UI" panose="020B0502040204020203" pitchFamily="34" charset="0"/>
+                  <a:cs typeface="Segoe UI" panose="020B0502040204020203" pitchFamily="34" charset="0"/>
+                </a:rPr>
+                <a:t>F1 – First degree, first year</a:t>
+              </a:r>
+            </a:p>
+          </p:txBody>
+        </p:sp>
+        <p:sp>
+          <p:nvSpPr>
+            <p:cNvPr id="8" name="TextBox 7">
+              <a:extLst>
+                <a:ext uri="{FF2B5EF4-FFF2-40B4-BE49-F238E27FC236}">
+                  <a16:creationId xmlns:a16="http://schemas.microsoft.com/office/drawing/2014/main" id="{E5D57945-CC69-AC08-A8AA-D474B64D3A18}"/>
+                </a:ext>
+              </a:extLst>
+            </p:cNvPr>
+            <p:cNvSpPr txBox="1"/>
+            <p:nvPr/>
+          </p:nvSpPr>
+          <p:spPr>
+            <a:xfrm>
+              <a:off x="970383" y="1768852"/>
+              <a:ext cx="2317939" cy="246221"/>
+            </a:xfrm>
+            <a:prstGeom prst="rect">
+              <a:avLst/>
+            </a:prstGeom>
+            <a:noFill/>
+          </p:spPr>
+          <p:txBody>
+            <a:bodyPr wrap="square" rtlCol="0" anchor="t" anchorCtr="0">
+              <a:spAutoFit/>
+            </a:bodyPr>
+            <a:lstStyle/>
+            <a:p>
+              <a:r>
+                <a:rPr lang="en-US" sz="1000" dirty="0">
+                  <a:latin typeface="Segoe UI" panose="020B0502040204020203" pitchFamily="34" charset="0"/>
+                  <a:cs typeface="Segoe UI" panose="020B0502040204020203" pitchFamily="34" charset="0"/>
+                </a:rPr>
+                <a:t>BIO F110 – Biology Laboratory</a:t>
+              </a:r>
+            </a:p>
+          </p:txBody>
+        </p:sp>
+        <p:sp>
+          <p:nvSpPr>
+            <p:cNvPr id="9" name="TextBox 8">
+              <a:extLst>
+                <a:ext uri="{FF2B5EF4-FFF2-40B4-BE49-F238E27FC236}">
+                  <a16:creationId xmlns:a16="http://schemas.microsoft.com/office/drawing/2014/main" id="{D70057A5-1E9F-5FAD-3A90-9A329C0036FE}"/>
+                </a:ext>
+              </a:extLst>
+            </p:cNvPr>
+            <p:cNvSpPr txBox="1"/>
+            <p:nvPr/>
+          </p:nvSpPr>
+          <p:spPr>
+            <a:xfrm>
+              <a:off x="965987" y="2015073"/>
+              <a:ext cx="2322336" cy="246221"/>
+            </a:xfrm>
+            <a:prstGeom prst="rect">
+              <a:avLst/>
+            </a:prstGeom>
+            <a:noFill/>
+          </p:spPr>
+          <p:txBody>
+            <a:bodyPr wrap="square" rtlCol="0" anchor="t" anchorCtr="0">
+              <a:spAutoFit/>
+            </a:bodyPr>
+            <a:lstStyle/>
+            <a:p>
+              <a:r>
+                <a:rPr lang="en-US" sz="1000" dirty="0">
+                  <a:latin typeface="Segoe UI" panose="020B0502040204020203" pitchFamily="34" charset="0"/>
+                  <a:cs typeface="Segoe UI" panose="020B0502040204020203" pitchFamily="34" charset="0"/>
+                </a:rPr>
+                <a:t>BIO F111 - General Biology</a:t>
+              </a:r>
+            </a:p>
+          </p:txBody>
+        </p:sp>
+        <p:sp>
+          <p:nvSpPr>
+            <p:cNvPr id="10" name="TextBox 9">
+              <a:extLst>
+                <a:ext uri="{FF2B5EF4-FFF2-40B4-BE49-F238E27FC236}">
+                  <a16:creationId xmlns:a16="http://schemas.microsoft.com/office/drawing/2014/main" id="{581B2FDD-2005-EEFA-8CAF-ECB057AADEDB}"/>
+                </a:ext>
+              </a:extLst>
+            </p:cNvPr>
+            <p:cNvSpPr txBox="1"/>
+            <p:nvPr/>
+          </p:nvSpPr>
+          <p:spPr>
+            <a:xfrm>
+              <a:off x="970383" y="2261294"/>
+              <a:ext cx="2317939" cy="246221"/>
+            </a:xfrm>
+            <a:prstGeom prst="rect">
+              <a:avLst/>
+            </a:prstGeom>
+            <a:noFill/>
+          </p:spPr>
+          <p:txBody>
+            <a:bodyPr wrap="square" rtlCol="0" anchor="t" anchorCtr="0">
+              <a:spAutoFit/>
+            </a:bodyPr>
+            <a:lstStyle/>
+            <a:p>
+              <a:r>
+                <a:rPr lang="en-US" sz="1000" dirty="0">
+                  <a:latin typeface="Segoe UI" panose="020B0502040204020203" pitchFamily="34" charset="0"/>
+                  <a:cs typeface="Segoe UI" panose="020B0502040204020203" pitchFamily="34" charset="0"/>
+                </a:rPr>
+                <a:t>BITS F110 - Engineering Graphics</a:t>
+              </a:r>
+            </a:p>
+          </p:txBody>
+        </p:sp>
+        <p:sp>
+          <p:nvSpPr>
+            <p:cNvPr id="11" name="TextBox 10">
+              <a:extLst>
+                <a:ext uri="{FF2B5EF4-FFF2-40B4-BE49-F238E27FC236}">
+                  <a16:creationId xmlns:a16="http://schemas.microsoft.com/office/drawing/2014/main" id="{B1BF83F4-CB23-50F8-6421-5787F5B5C5DE}"/>
+                </a:ext>
+              </a:extLst>
+            </p:cNvPr>
+            <p:cNvSpPr txBox="1"/>
+            <p:nvPr/>
+          </p:nvSpPr>
+          <p:spPr>
+            <a:xfrm>
+              <a:off x="965987" y="2507515"/>
+              <a:ext cx="2322336" cy="246221"/>
+            </a:xfrm>
+            <a:prstGeom prst="rect">
+              <a:avLst/>
+            </a:prstGeom>
+            <a:noFill/>
+          </p:spPr>
+          <p:txBody>
+            <a:bodyPr wrap="square" rtlCol="0" anchor="t" anchorCtr="0">
+              <a:spAutoFit/>
+            </a:bodyPr>
+            <a:lstStyle/>
+            <a:p>
+              <a:r>
+                <a:rPr lang="en-US" sz="1000" dirty="0">
+                  <a:latin typeface="Segoe UI" panose="020B0502040204020203" pitchFamily="34" charset="0"/>
+                  <a:cs typeface="Segoe UI" panose="020B0502040204020203" pitchFamily="34" charset="0"/>
+                </a:rPr>
+                <a:t>BITS F111 - Thermodynamics</a:t>
+              </a:r>
+            </a:p>
+          </p:txBody>
+        </p:sp>
+        <p:sp>
+          <p:nvSpPr>
+            <p:cNvPr id="12" name="TextBox 11">
+              <a:extLst>
+                <a:ext uri="{FF2B5EF4-FFF2-40B4-BE49-F238E27FC236}">
+                  <a16:creationId xmlns:a16="http://schemas.microsoft.com/office/drawing/2014/main" id="{BB1584F2-84D9-375B-29CC-27E4A3C12221}"/>
+                </a:ext>
+              </a:extLst>
+            </p:cNvPr>
+            <p:cNvSpPr txBox="1"/>
+            <p:nvPr/>
+          </p:nvSpPr>
+          <p:spPr>
+            <a:xfrm>
+              <a:off x="965987" y="2753736"/>
+              <a:ext cx="2322336" cy="246221"/>
+            </a:xfrm>
+            <a:prstGeom prst="rect">
+              <a:avLst/>
+            </a:prstGeom>
+            <a:noFill/>
+          </p:spPr>
+          <p:txBody>
+            <a:bodyPr wrap="square" rtlCol="0" anchor="t" anchorCtr="0">
+              <a:spAutoFit/>
+            </a:bodyPr>
+            <a:lstStyle/>
+            <a:p>
+              <a:r>
+                <a:rPr lang="en-US" sz="1000" dirty="0">
+                  <a:latin typeface="Segoe UI" panose="020B0502040204020203" pitchFamily="34" charset="0"/>
+                  <a:cs typeface="Segoe UI" panose="020B0502040204020203" pitchFamily="34" charset="0"/>
+                </a:rPr>
+                <a:t>BITS F112 - Technical Report Writing</a:t>
+              </a:r>
+            </a:p>
+          </p:txBody>
+        </p:sp>
+        <p:sp>
+          <p:nvSpPr>
+            <p:cNvPr id="13" name="TextBox 12">
+              <a:extLst>
+                <a:ext uri="{FF2B5EF4-FFF2-40B4-BE49-F238E27FC236}">
+                  <a16:creationId xmlns:a16="http://schemas.microsoft.com/office/drawing/2014/main" id="{B7D571B6-52F0-AA6C-DB55-3190B11A6300}"/>
+                </a:ext>
+              </a:extLst>
+            </p:cNvPr>
+            <p:cNvSpPr txBox="1"/>
+            <p:nvPr/>
+          </p:nvSpPr>
+          <p:spPr>
+            <a:xfrm>
+              <a:off x="965986" y="2999957"/>
+              <a:ext cx="2322336" cy="246221"/>
+            </a:xfrm>
+            <a:prstGeom prst="rect">
+              <a:avLst/>
+            </a:prstGeom>
+            <a:noFill/>
+          </p:spPr>
+          <p:txBody>
+            <a:bodyPr wrap="square" rtlCol="0" anchor="t" anchorCtr="0">
+              <a:spAutoFit/>
+            </a:bodyPr>
+            <a:lstStyle/>
+            <a:p>
+              <a:r>
+                <a:rPr lang="en-US" sz="1000" dirty="0">
+                  <a:latin typeface="Segoe UI" panose="020B0502040204020203" pitchFamily="34" charset="0"/>
+                  <a:cs typeface="Segoe UI" panose="020B0502040204020203" pitchFamily="34" charset="0"/>
+                </a:rPr>
+                <a:t>CHEM F110 - Chemistry Laboratory</a:t>
+              </a:r>
+            </a:p>
+          </p:txBody>
+        </p:sp>
+      </p:grpSp>
+      <p:graphicFrame>
+        <p:nvGraphicFramePr>
+          <p:cNvPr id="25" name="Table 25">
+            <a:extLst>
+              <a:ext uri="{FF2B5EF4-FFF2-40B4-BE49-F238E27FC236}">
+                <a16:creationId xmlns:a16="http://schemas.microsoft.com/office/drawing/2014/main" id="{1CEF1257-FCF9-7B9E-E095-23F69ABCBA00}"/>
+              </a:ext>
+            </a:extLst>
+          </p:cNvPr>
+          <p:cNvGraphicFramePr>
+            <a:graphicFrameLocks noGrp="1"/>
+          </p:cNvGraphicFramePr>
+          <p:nvPr>
+            <p:extLst>
+              <p:ext uri="{D42A27DB-BD31-4B8C-83A1-F6EECF244321}">
+                <p14:modId xmlns:p14="http://schemas.microsoft.com/office/powerpoint/2010/main" val="2295257594"/>
+              </p:ext>
+            </p:extLst>
+          </p:nvPr>
+        </p:nvGraphicFramePr>
+        <p:xfrm>
+          <a:off x="3378201" y="1522631"/>
+          <a:ext cx="8127999" cy="897600"/>
+        </p:xfrm>
+        <a:graphic>
+          <a:graphicData uri="http://schemas.openxmlformats.org/drawingml/2006/table">
+            <a:tbl>
+              <a:tblPr firstRow="1" bandRow="1">
+                <a:tableStyleId>{5940675A-B579-460E-94D1-54222C63F5DA}</a:tableStyleId>
+              </a:tblPr>
+              <a:tblGrid>
+                <a:gridCol w="298207">
+                  <a:extLst>
+                    <a:ext uri="{9D8B030D-6E8A-4147-A177-3AD203B41FA5}">
+                      <a16:colId xmlns:a16="http://schemas.microsoft.com/office/drawing/2014/main" val="1939074144"/>
+                    </a:ext>
+                  </a:extLst>
+                </a:gridCol>
+                <a:gridCol w="809867">
+                  <a:extLst>
+                    <a:ext uri="{9D8B030D-6E8A-4147-A177-3AD203B41FA5}">
+                      <a16:colId xmlns:a16="http://schemas.microsoft.com/office/drawing/2014/main" val="65921529"/>
+                    </a:ext>
+                  </a:extLst>
+                </a:gridCol>
+                <a:gridCol w="1571625">
+                  <a:extLst>
+                    <a:ext uri="{9D8B030D-6E8A-4147-A177-3AD203B41FA5}">
+                      <a16:colId xmlns:a16="http://schemas.microsoft.com/office/drawing/2014/main" val="372505277"/>
+                    </a:ext>
+                  </a:extLst>
+                </a:gridCol>
+                <a:gridCol w="2724150">
+                  <a:extLst>
+                    <a:ext uri="{9D8B030D-6E8A-4147-A177-3AD203B41FA5}">
+                      <a16:colId xmlns:a16="http://schemas.microsoft.com/office/drawing/2014/main" val="1597093484"/>
+                    </a:ext>
+                  </a:extLst>
+                </a:gridCol>
+                <a:gridCol w="2724150">
+                  <a:extLst>
+                    <a:ext uri="{9D8B030D-6E8A-4147-A177-3AD203B41FA5}">
+                      <a16:colId xmlns:a16="http://schemas.microsoft.com/office/drawing/2014/main" val="2131569888"/>
+                    </a:ext>
+                  </a:extLst>
+                </a:gridCol>
+              </a:tblGrid>
+              <a:tr h="164075">
+                <a:tc>
+                  <a:txBody>
+                    <a:bodyPr/>
+                    <a:lstStyle/>
+                    <a:p>
+                      <a:endParaRPr lang="en-US" sz="1000" b="1" dirty="0">
+                        <a:latin typeface="Segoe UI Emoji" panose="020B0502040204020203" pitchFamily="34" charset="0"/>
+                        <a:ea typeface="Segoe UI Emoji" panose="020B0502040204020203" pitchFamily="34" charset="0"/>
+                        <a:cs typeface="Segoe UI" panose="020B0502040204020203" pitchFamily="34" charset="0"/>
+                      </a:endParaRPr>
+                    </a:p>
+                  </a:txBody>
+                  <a:tcPr marL="36000" marR="36000" marT="36000" marB="36000" anchor="ctr">
+                    <a:lnL w="6350" cap="flat" cmpd="sng" algn="ctr">
+                      <a:noFill/>
+                      <a:prstDash val="solid"/>
+                      <a:round/>
+                      <a:headEnd type="none" w="med" len="med"/>
+                      <a:tailEnd type="none" w="med" len="med"/>
+                    </a:lnL>
+                    <a:lnR w="6350" cap="flat" cmpd="sng" algn="ctr">
+                      <a:solidFill>
+                        <a:schemeClr val="tx1"/>
+                      </a:solidFill>
+                      <a:prstDash val="solid"/>
+                      <a:round/>
+                      <a:headEnd type="none" w="med" len="med"/>
+                      <a:tailEnd type="none" w="med" len="med"/>
+                    </a:lnR>
+                    <a:lnT w="6350" cap="flat" cmpd="sng" algn="ctr">
+                      <a:noFill/>
+                      <a:prstDash val="solid"/>
+                      <a:round/>
+                      <a:headEnd type="none" w="med" len="med"/>
+                      <a:tailEnd type="none" w="med" len="med"/>
+                    </a:lnT>
+                    <a:lnB w="19050" cap="flat" cmpd="sng" algn="ctr">
+                      <a:solidFill>
+                        <a:schemeClr val="tx1"/>
+                      </a:solidFill>
+                      <a:prstDash val="solid"/>
+                      <a:round/>
+                      <a:headEnd type="none" w="med" len="med"/>
+                      <a:tailEnd type="none" w="med" len="med"/>
+                    </a:lnB>
+                    <a:lnTlToBr w="12700" cmpd="sng">
+                      <a:noFill/>
+                      <a:prstDash val="solid"/>
+                    </a:lnTlToBr>
+                    <a:lnBlToTr w="12700" cmpd="sng">
+                      <a:noFill/>
+                      <a:prstDash val="solid"/>
+                    </a:lnBlToTr>
+                  </a:tcPr>
+                </a:tc>
+                <a:tc gridSpan="2">
+                  <a:txBody>
+                    <a:bodyPr/>
+                    <a:lstStyle/>
+                    <a:p>
+                      <a:r>
+                        <a:rPr lang="en-US" sz="1000" b="1" dirty="0">
+                          <a:latin typeface="Segoe UI" panose="020B0502040204020203" pitchFamily="34" charset="0"/>
+                          <a:cs typeface="Segoe UI" panose="020B0502040204020203" pitchFamily="34" charset="0"/>
+                        </a:rPr>
+                        <a:t>Course</a:t>
+                      </a:r>
+                    </a:p>
+                  </a:txBody>
+                  <a:tcPr marL="36000" marR="36000" marT="36000" marB="36000" anchor="ctr">
+                    <a:lnL w="6350" cap="flat" cmpd="sng" algn="ctr">
+                      <a:solidFill>
+                        <a:schemeClr val="tx1"/>
+                      </a:solidFill>
+                      <a:prstDash val="solid"/>
+                      <a:round/>
+                      <a:headEnd type="none" w="med" len="med"/>
+                      <a:tailEnd type="none" w="med" len="med"/>
+                    </a:lnL>
+                    <a:lnR w="6350" cap="flat" cmpd="sng" algn="ctr">
+                      <a:solidFill>
+                        <a:schemeClr val="tx1"/>
+                      </a:solidFill>
+                      <a:prstDash val="solid"/>
+                      <a:round/>
+                      <a:headEnd type="none" w="med" len="med"/>
+                      <a:tailEnd type="none" w="med" len="med"/>
+                    </a:lnR>
+                    <a:lnT w="6350" cap="flat" cmpd="sng" algn="ctr">
+                      <a:noFill/>
+                      <a:prstDash val="solid"/>
+                      <a:round/>
+                      <a:headEnd type="none" w="med" len="med"/>
+                      <a:tailEnd type="none" w="med" len="med"/>
+                    </a:lnT>
+                    <a:lnB w="19050" cap="flat" cmpd="sng" algn="ctr">
+                      <a:solidFill>
+                        <a:schemeClr val="tx1"/>
+                      </a:solidFill>
+                      <a:prstDash val="solid"/>
+                      <a:round/>
+                      <a:headEnd type="none" w="med" len="med"/>
+                      <a:tailEnd type="none" w="med" len="med"/>
+                    </a:lnB>
+                    <a:lnTlToBr w="12700" cmpd="sng">
+                      <a:noFill/>
+                      <a:prstDash val="solid"/>
+                    </a:lnTlToBr>
+                    <a:lnBlToTr w="12700" cmpd="sng">
+                      <a:noFill/>
+                      <a:prstDash val="solid"/>
+                    </a:lnBlToTr>
+                  </a:tcPr>
+                </a:tc>
+                <a:tc hMerge="1">
+                  <a:txBody>
+                    <a:bodyPr/>
+                    <a:lstStyle/>
+                    <a:p>
+                      <a:endParaRPr lang="en-US" sz="1000" dirty="0">
+                        <a:latin typeface="Segoe UI" panose="020B0502040204020203" pitchFamily="34" charset="0"/>
+                        <a:cs typeface="Segoe UI" panose="020B0502040204020203" pitchFamily="34" charset="0"/>
+                      </a:endParaRPr>
+                    </a:p>
+                  </a:txBody>
+                  <a:tcPr>
+                    <a:lnL w="6350" cap="flat" cmpd="sng" algn="ctr">
+                      <a:solidFill>
+                        <a:schemeClr val="tx1"/>
+                      </a:solidFill>
+                      <a:prstDash val="solid"/>
+                      <a:round/>
+                      <a:headEnd type="none" w="med" len="med"/>
+                      <a:tailEnd type="none" w="med" len="med"/>
+                    </a:lnL>
+                    <a:lnR w="6350" cap="flat" cmpd="sng" algn="ctr">
+                      <a:solidFill>
+                        <a:schemeClr val="tx1"/>
+                      </a:solidFill>
+                      <a:prstDash val="solid"/>
+                      <a:round/>
+                      <a:headEnd type="none" w="med" len="med"/>
+                      <a:tailEnd type="none" w="med" len="med"/>
+                    </a:lnR>
+                    <a:lnT w="6350" cap="flat" cmpd="sng" algn="ctr">
+                      <a:solidFill>
+                        <a:schemeClr val="tx1"/>
+                      </a:solidFill>
+                      <a:prstDash val="solid"/>
+                      <a:round/>
+                      <a:headEnd type="none" w="med" len="med"/>
+                      <a:tailEnd type="none" w="med" len="med"/>
+                    </a:lnT>
+                    <a:lnB w="6350" cap="flat" cmpd="sng" algn="ctr">
+                      <a:solidFill>
+                        <a:schemeClr val="tx1"/>
+                      </a:solidFill>
+                      <a:prstDash val="solid"/>
+                      <a:round/>
+                      <a:headEnd type="none" w="med" len="med"/>
+                      <a:tailEnd type="none" w="med" len="med"/>
+                    </a:lnB>
+                  </a:tcPr>
+                </a:tc>
+                <a:tc>
+                  <a:txBody>
+                    <a:bodyPr/>
+                    <a:lstStyle/>
+                    <a:p>
+                      <a:r>
+                        <a:rPr lang="en-US" sz="1000" b="1" dirty="0">
+                          <a:latin typeface="Segoe UI" panose="020B0502040204020203" pitchFamily="34" charset="0"/>
+                          <a:cs typeface="Segoe UI" panose="020B0502040204020203" pitchFamily="34" charset="0"/>
+                        </a:rPr>
+                        <a:t>Lecture</a:t>
+                      </a:r>
+                    </a:p>
+                  </a:txBody>
+                  <a:tcPr marL="36000" marR="36000" marT="36000" marB="36000" anchor="ctr">
+                    <a:lnL w="6350" cap="flat" cmpd="sng" algn="ctr">
+                      <a:solidFill>
+                        <a:schemeClr val="tx1"/>
+                      </a:solidFill>
+                      <a:prstDash val="solid"/>
+                      <a:round/>
+                      <a:headEnd type="none" w="med" len="med"/>
+                      <a:tailEnd type="none" w="med" len="med"/>
+                    </a:lnL>
+                    <a:lnR w="6350" cap="flat" cmpd="sng" algn="ctr">
+                      <a:solidFill>
+                        <a:schemeClr val="tx1"/>
+                      </a:solidFill>
+                      <a:prstDash val="solid"/>
+                      <a:round/>
+                      <a:headEnd type="none" w="med" len="med"/>
+                      <a:tailEnd type="none" w="med" len="med"/>
+                    </a:lnR>
+                    <a:lnT w="6350" cap="flat" cmpd="sng" algn="ctr">
+                      <a:noFill/>
+                      <a:prstDash val="solid"/>
+                      <a:round/>
+                      <a:headEnd type="none" w="med" len="med"/>
+                      <a:tailEnd type="none" w="med" len="med"/>
+                    </a:lnT>
+                    <a:lnB w="19050" cap="flat" cmpd="sng" algn="ctr">
+                      <a:solidFill>
+                        <a:schemeClr val="tx1"/>
+                      </a:solidFill>
+                      <a:prstDash val="solid"/>
+                      <a:round/>
+                      <a:headEnd type="none" w="med" len="med"/>
+                      <a:tailEnd type="none" w="med" len="med"/>
+                    </a:lnB>
+                    <a:lnTlToBr w="12700" cmpd="sng">
+                      <a:noFill/>
+                      <a:prstDash val="solid"/>
+                    </a:lnTlToBr>
+                    <a:lnBlToTr w="12700" cmpd="sng">
+                      <a:noFill/>
+                      <a:prstDash val="solid"/>
+                    </a:lnBlToTr>
+                  </a:tcPr>
+                </a:tc>
+                <a:tc>
+                  <a:txBody>
+                    <a:bodyPr/>
+                    <a:lstStyle/>
+                    <a:p>
+                      <a:r>
+                        <a:rPr lang="en-US" sz="1000" b="1" dirty="0">
+                          <a:latin typeface="Segoe UI" panose="020B0502040204020203" pitchFamily="34" charset="0"/>
+                          <a:cs typeface="Segoe UI" panose="020B0502040204020203" pitchFamily="34" charset="0"/>
+                        </a:rPr>
+                        <a:t>Practical</a:t>
+                      </a:r>
+                    </a:p>
+                  </a:txBody>
+                  <a:tcPr marL="36000" marR="36000" marT="36000" marB="36000" anchor="ctr">
+                    <a:lnL w="6350" cap="flat" cmpd="sng" algn="ctr">
+                      <a:solidFill>
+                        <a:schemeClr val="tx1"/>
+                      </a:solidFill>
+                      <a:prstDash val="solid"/>
+                      <a:round/>
+                      <a:headEnd type="none" w="med" len="med"/>
+                      <a:tailEnd type="none" w="med" len="med"/>
+                    </a:lnL>
+                    <a:lnR w="6350" cap="flat" cmpd="sng" algn="ctr">
+                      <a:noFill/>
+                      <a:prstDash val="solid"/>
+                      <a:round/>
+                      <a:headEnd type="none" w="med" len="med"/>
+                      <a:tailEnd type="none" w="med" len="med"/>
+                    </a:lnR>
+                    <a:lnT w="6350" cap="flat" cmpd="sng" algn="ctr">
+                      <a:noFill/>
+                      <a:prstDash val="solid"/>
+                      <a:round/>
+                      <a:headEnd type="none" w="med" len="med"/>
+                      <a:tailEnd type="none" w="med" len="med"/>
+                    </a:lnT>
+                    <a:lnB w="19050" cap="flat" cmpd="sng" algn="ctr">
+                      <a:solidFill>
+                        <a:schemeClr val="tx1"/>
+                      </a:solidFill>
+                      <a:prstDash val="solid"/>
+                      <a:round/>
+                      <a:headEnd type="none" w="med" len="med"/>
+                      <a:tailEnd type="none" w="med" len="med"/>
+                    </a:lnB>
+                    <a:lnTlToBr w="12700" cmpd="sng">
+                      <a:noFill/>
+                      <a:prstDash val="solid"/>
+                    </a:lnTlToBr>
+                    <a:lnBlToTr w="12700" cmpd="sng">
+                      <a:noFill/>
+                      <a:prstDash val="solid"/>
+                    </a:lnBlToTr>
+                  </a:tcPr>
+                </a:tc>
+                <a:extLst>
+                  <a:ext uri="{0D108BD9-81ED-4DB2-BD59-A6C34878D82A}">
+                    <a16:rowId xmlns:a16="http://schemas.microsoft.com/office/drawing/2014/main" val="2468573547"/>
+                  </a:ext>
+                </a:extLst>
+              </a:tr>
+              <a:tr h="164075">
+                <a:tc>
+                  <a:txBody>
+                    <a:bodyPr/>
+                    <a:lstStyle/>
+                    <a:p>
+                      <a:r>
+                        <a:rPr lang="en-US" sz="1000" dirty="0">
+                          <a:latin typeface="Segoe UI Emoji" panose="020B0502040204020203" pitchFamily="34" charset="0"/>
+                          <a:ea typeface="Segoe UI Emoji" panose="020B0502040204020203" pitchFamily="34" charset="0"/>
+                          <a:cs typeface="Segoe UI" panose="020B0502040204020203" pitchFamily="34" charset="0"/>
+                        </a:rPr>
+                        <a:t>❌</a:t>
+                      </a:r>
+                    </a:p>
+                  </a:txBody>
+                  <a:tcPr marL="36000" marR="36000" marT="36000" marB="36000" anchor="ctr">
+                    <a:lnL w="6350" cap="flat" cmpd="sng" algn="ctr">
+                      <a:noFill/>
+                      <a:prstDash val="solid"/>
+                      <a:round/>
+                      <a:headEnd type="none" w="med" len="med"/>
+                      <a:tailEnd type="none" w="med" len="med"/>
+                    </a:lnL>
+                    <a:lnR w="6350" cap="flat" cmpd="sng" algn="ctr">
+                      <a:solidFill>
+                        <a:schemeClr val="tx1"/>
+                      </a:solidFill>
+                      <a:prstDash val="solid"/>
+                      <a:round/>
+                      <a:headEnd type="none" w="med" len="med"/>
+                      <a:tailEnd type="none" w="med" len="med"/>
+                    </a:lnR>
+                    <a:lnT w="19050" cap="flat" cmpd="sng" algn="ctr">
+                      <a:solidFill>
+                        <a:schemeClr val="tx1"/>
+                      </a:solidFill>
+                      <a:prstDash val="solid"/>
+                      <a:round/>
+                      <a:headEnd type="none" w="med" len="med"/>
+                      <a:tailEnd type="none" w="med" len="med"/>
+                    </a:lnT>
+                    <a:lnB w="6350" cap="flat" cmpd="sng" algn="ctr">
+                      <a:noFill/>
+                      <a:prstDash val="solid"/>
+                      <a:round/>
+                      <a:headEnd type="none" w="med" len="med"/>
+                      <a:tailEnd type="none" w="med" len="med"/>
+                    </a:lnB>
+                    <a:lnTlToBr w="12700" cmpd="sng">
+                      <a:noFill/>
+                      <a:prstDash val="solid"/>
+                    </a:lnTlToBr>
+                    <a:lnBlToTr w="12700" cmpd="sng">
+                      <a:noFill/>
+                      <a:prstDash val="solid"/>
+                    </a:lnBlToTr>
+                  </a:tcPr>
+                </a:tc>
+                <a:tc>
+                  <a:txBody>
+                    <a:bodyPr/>
+                    <a:lstStyle/>
+                    <a:p>
+                      <a:r>
+                        <a:rPr lang="en-US" sz="1000" dirty="0">
+                          <a:latin typeface="Segoe UI" panose="020B0502040204020203" pitchFamily="34" charset="0"/>
+                          <a:cs typeface="Segoe UI" panose="020B0502040204020203" pitchFamily="34" charset="0"/>
+                        </a:rPr>
+                        <a:t>CS F111</a:t>
+                      </a:r>
+                    </a:p>
+                  </a:txBody>
+                  <a:tcPr marL="36000" marR="36000" marT="36000" marB="36000" anchor="ctr">
+                    <a:lnL w="6350" cap="flat" cmpd="sng" algn="ctr">
+                      <a:solidFill>
+                        <a:schemeClr val="tx1"/>
+                      </a:solidFill>
+                      <a:prstDash val="solid"/>
+                      <a:round/>
+                      <a:headEnd type="none" w="med" len="med"/>
+                      <a:tailEnd type="none" w="med" len="med"/>
+                    </a:lnL>
+                    <a:lnR w="6350" cap="flat" cmpd="sng" algn="ctr">
+                      <a:noFill/>
+                      <a:prstDash val="solid"/>
+                      <a:round/>
+                      <a:headEnd type="none" w="med" len="med"/>
+                      <a:tailEnd type="none" w="med" len="med"/>
+                    </a:lnR>
+                    <a:lnT w="19050" cap="flat" cmpd="sng" algn="ctr">
+                      <a:solidFill>
+                        <a:schemeClr val="tx1"/>
+                      </a:solidFill>
+                      <a:prstDash val="solid"/>
+                      <a:round/>
+                      <a:headEnd type="none" w="med" len="med"/>
+                      <a:tailEnd type="none" w="med" len="med"/>
+                    </a:lnT>
+                    <a:lnB w="6350" cap="flat" cmpd="sng" algn="ctr">
+                      <a:noFill/>
+                      <a:prstDash val="solid"/>
+                      <a:round/>
+                      <a:headEnd type="none" w="med" len="med"/>
+                      <a:tailEnd type="none" w="med" len="med"/>
+                    </a:lnB>
+                    <a:lnTlToBr w="12700" cmpd="sng">
+                      <a:noFill/>
+                      <a:prstDash val="solid"/>
+                    </a:lnTlToBr>
+                    <a:lnBlToTr w="12700" cmpd="sng">
+                      <a:noFill/>
+                      <a:prstDash val="solid"/>
+                    </a:lnBlToTr>
+                  </a:tcPr>
+                </a:tc>
+                <a:tc>
+                  <a:txBody>
+                    <a:bodyPr/>
+                    <a:lstStyle/>
+                    <a:p>
+                      <a:r>
+                        <a:rPr lang="en-US" sz="1000" dirty="0">
+                          <a:latin typeface="Segoe UI" panose="020B0502040204020203" pitchFamily="34" charset="0"/>
+                          <a:cs typeface="Segoe UI" panose="020B0502040204020203" pitchFamily="34" charset="0"/>
+                        </a:rPr>
+                        <a:t>Computer Programming</a:t>
+                      </a:r>
+                    </a:p>
+                  </a:txBody>
+                  <a:tcPr marL="36000" marR="36000" marT="36000" marB="36000" anchor="ctr">
+                    <a:lnL w="6350" cap="flat" cmpd="sng" algn="ctr">
+                      <a:noFill/>
+                      <a:prstDash val="solid"/>
+                      <a:round/>
+                      <a:headEnd type="none" w="med" len="med"/>
+                      <a:tailEnd type="none" w="med" len="med"/>
+                    </a:lnL>
+                    <a:lnR w="6350" cap="flat" cmpd="sng" algn="ctr">
+                      <a:solidFill>
+                        <a:schemeClr val="tx1"/>
+                      </a:solidFill>
+                      <a:prstDash val="solid"/>
+                      <a:round/>
+                      <a:headEnd type="none" w="med" len="med"/>
+                      <a:tailEnd type="none" w="med" len="med"/>
+                    </a:lnR>
+                    <a:lnT w="19050" cap="flat" cmpd="sng" algn="ctr">
+                      <a:solidFill>
+                        <a:schemeClr val="tx1"/>
+                      </a:solidFill>
+                      <a:prstDash val="solid"/>
+                      <a:round/>
+                      <a:headEnd type="none" w="med" len="med"/>
+                      <a:tailEnd type="none" w="med" len="med"/>
+                    </a:lnT>
+                    <a:lnB w="6350" cap="flat" cmpd="sng" algn="ctr">
+                      <a:noFill/>
+                      <a:prstDash val="solid"/>
+                      <a:round/>
+                      <a:headEnd type="none" w="med" len="med"/>
+                      <a:tailEnd type="none" w="med" len="med"/>
+                    </a:lnB>
+                    <a:lnTlToBr w="12700" cmpd="sng">
+                      <a:noFill/>
+                      <a:prstDash val="solid"/>
+                    </a:lnTlToBr>
+                    <a:lnBlToTr w="12700" cmpd="sng">
+                      <a:noFill/>
+                      <a:prstDash val="solid"/>
+                    </a:lnBlToTr>
+                  </a:tcPr>
+                </a:tc>
+                <a:tc>
+                  <a:txBody>
+                    <a:bodyPr/>
+                    <a:lstStyle/>
+                    <a:p>
+                      <a:pPr>
+                        <a:tabLst/>
+                      </a:pPr>
+                      <a:r>
+                        <a:rPr lang="en-US" sz="1000" dirty="0">
+                          <a:latin typeface="Segoe UI" panose="020B0502040204020203" pitchFamily="34" charset="0"/>
+                          <a:cs typeface="Segoe UI" panose="020B0502040204020203" pitchFamily="34" charset="0"/>
+                        </a:rPr>
+                        <a:t>L1 – Pramod Gaur	▼</a:t>
+                      </a:r>
+                    </a:p>
+                  </a:txBody>
+                  <a:tcPr marL="36000" marR="36000" marT="36000" marB="36000" anchor="ctr">
+                    <a:lnL w="6350" cap="flat" cmpd="sng" algn="ctr">
+                      <a:solidFill>
+                        <a:schemeClr val="tx1"/>
+                      </a:solidFill>
+                      <a:prstDash val="solid"/>
+                      <a:round/>
+                      <a:headEnd type="none" w="med" len="med"/>
+                      <a:tailEnd type="none" w="med" len="med"/>
+                    </a:lnL>
+                    <a:lnR w="6350" cap="flat" cmpd="sng" algn="ctr">
+                      <a:solidFill>
+                        <a:schemeClr val="tx1"/>
+                      </a:solidFill>
+                      <a:prstDash val="solid"/>
+                      <a:round/>
+                      <a:headEnd type="none" w="med" len="med"/>
+                      <a:tailEnd type="none" w="med" len="med"/>
+                    </a:lnR>
+                    <a:lnT w="19050" cap="flat" cmpd="sng" algn="ctr">
+                      <a:solidFill>
+                        <a:schemeClr val="tx1"/>
+                      </a:solidFill>
+                      <a:prstDash val="solid"/>
+                      <a:round/>
+                      <a:headEnd type="none" w="med" len="med"/>
+                      <a:tailEnd type="none" w="med" len="med"/>
+                    </a:lnT>
+                    <a:lnB w="6350" cap="flat" cmpd="sng" algn="ctr">
+                      <a:noFill/>
+                      <a:prstDash val="solid"/>
+                      <a:round/>
+                      <a:headEnd type="none" w="med" len="med"/>
+                      <a:tailEnd type="none" w="med" len="med"/>
+                    </a:lnB>
+                    <a:lnTlToBr w="12700" cmpd="sng">
+                      <a:noFill/>
+                      <a:prstDash val="solid"/>
+                    </a:lnTlToBr>
+                    <a:lnBlToTr w="12700" cmpd="sng">
+                      <a:noFill/>
+                      <a:prstDash val="solid"/>
+                    </a:lnBlToTr>
+                  </a:tcPr>
+                </a:tc>
+                <a:tc>
+                  <a:txBody>
+                    <a:bodyPr/>
+                    <a:lstStyle/>
+                    <a:p>
+                      <a:r>
+                        <a:rPr lang="en-US" sz="1000" kern="1200" dirty="0">
+                          <a:solidFill>
+                            <a:schemeClr val="tx1"/>
+                          </a:solidFill>
+                          <a:latin typeface="Segoe UI" panose="020B0502040204020203" pitchFamily="34" charset="0"/>
+                          <a:ea typeface="+mn-ea"/>
+                          <a:cs typeface="Segoe UI" panose="020B0502040204020203" pitchFamily="34" charset="0"/>
+                        </a:rPr>
+                        <a:t>P1 – Sapna </a:t>
+                      </a:r>
+                      <a:r>
+                        <a:rPr lang="en-US" sz="1000" kern="1200" dirty="0" err="1">
+                          <a:solidFill>
+                            <a:schemeClr val="tx1"/>
+                          </a:solidFill>
+                          <a:latin typeface="Segoe UI" panose="020B0502040204020203" pitchFamily="34" charset="0"/>
+                          <a:ea typeface="+mn-ea"/>
+                          <a:cs typeface="Segoe UI" panose="020B0502040204020203" pitchFamily="34" charset="0"/>
+                        </a:rPr>
+                        <a:t>Sadhwani</a:t>
+                      </a:r>
+                      <a:r>
+                        <a:rPr lang="en-US" sz="1000" kern="1200" dirty="0">
+                          <a:solidFill>
+                            <a:schemeClr val="tx1"/>
+                          </a:solidFill>
+                          <a:latin typeface="Segoe UI" panose="020B0502040204020203" pitchFamily="34" charset="0"/>
+                          <a:ea typeface="+mn-ea"/>
+                          <a:cs typeface="Segoe UI" panose="020B0502040204020203" pitchFamily="34" charset="0"/>
+                        </a:rPr>
+                        <a:t>	▼</a:t>
+                      </a:r>
+                    </a:p>
+                  </a:txBody>
+                  <a:tcPr marL="36000" marR="36000" marT="36000" marB="36000" anchor="ctr">
+                    <a:lnL w="6350" cap="flat" cmpd="sng" algn="ctr">
+                      <a:solidFill>
+                        <a:schemeClr val="tx1"/>
+                      </a:solidFill>
+                      <a:prstDash val="solid"/>
+                      <a:round/>
+                      <a:headEnd type="none" w="med" len="med"/>
+                      <a:tailEnd type="none" w="med" len="med"/>
+                    </a:lnL>
+                    <a:lnR w="6350" cap="flat" cmpd="sng" algn="ctr">
+                      <a:noFill/>
+                      <a:prstDash val="solid"/>
+                      <a:round/>
+                      <a:headEnd type="none" w="med" len="med"/>
+                      <a:tailEnd type="none" w="med" len="med"/>
+                    </a:lnR>
+                    <a:lnT w="19050" cap="flat" cmpd="sng" algn="ctr">
+                      <a:solidFill>
+                        <a:schemeClr val="tx1"/>
+                      </a:solidFill>
+                      <a:prstDash val="solid"/>
+                      <a:round/>
+                      <a:headEnd type="none" w="med" len="med"/>
+                      <a:tailEnd type="none" w="med" len="med"/>
+                    </a:lnT>
+                    <a:lnB w="6350" cap="flat" cmpd="sng" algn="ctr">
+                      <a:noFill/>
+                      <a:prstDash val="solid"/>
+                      <a:round/>
+                      <a:headEnd type="none" w="med" len="med"/>
+                      <a:tailEnd type="none" w="med" len="med"/>
+                    </a:lnB>
+                    <a:lnTlToBr w="12700" cmpd="sng">
+                      <a:noFill/>
+                      <a:prstDash val="solid"/>
+                    </a:lnTlToBr>
+                    <a:lnBlToTr w="12700" cmpd="sng">
+                      <a:noFill/>
+                      <a:prstDash val="solid"/>
+                    </a:lnBlToTr>
+                  </a:tcPr>
+                </a:tc>
+                <a:extLst>
+                  <a:ext uri="{0D108BD9-81ED-4DB2-BD59-A6C34878D82A}">
+                    <a16:rowId xmlns:a16="http://schemas.microsoft.com/office/drawing/2014/main" val="3740754810"/>
+                  </a:ext>
+                </a:extLst>
+              </a:tr>
+              <a:tr h="0">
+                <a:tc>
+                  <a:txBody>
+                    <a:bodyPr/>
+                    <a:lstStyle/>
+                    <a:p>
+                      <a:r>
+                        <a:rPr lang="en-US" sz="1000" dirty="0">
+                          <a:latin typeface="Segoe UI Emoji" panose="020B0502040204020203" pitchFamily="34" charset="0"/>
+                          <a:ea typeface="Segoe UI Emoji" panose="020B0502040204020203" pitchFamily="34" charset="0"/>
+                          <a:cs typeface="Segoe UI" panose="020B0502040204020203" pitchFamily="34" charset="0"/>
+                        </a:rPr>
+                        <a:t>❌</a:t>
+                      </a:r>
+                    </a:p>
+                  </a:txBody>
+                  <a:tcPr marL="36000" marR="36000" marT="36000" marB="36000" anchor="ctr">
+                    <a:lnL w="6350" cap="flat" cmpd="sng" algn="ctr">
+                      <a:noFill/>
+                      <a:prstDash val="solid"/>
+                      <a:round/>
+                      <a:headEnd type="none" w="med" len="med"/>
+                      <a:tailEnd type="none" w="med" len="med"/>
+                    </a:lnL>
+                    <a:lnR w="6350" cap="flat" cmpd="sng" algn="ctr">
+                      <a:solidFill>
+                        <a:schemeClr val="tx1"/>
+                      </a:solidFill>
+                      <a:prstDash val="solid"/>
+                      <a:round/>
+                      <a:headEnd type="none" w="med" len="med"/>
+                      <a:tailEnd type="none" w="med" len="med"/>
+                    </a:lnR>
+                    <a:lnT w="6350" cap="flat" cmpd="sng" algn="ctr">
+                      <a:noFill/>
+                      <a:prstDash val="solid"/>
+                      <a:round/>
+                      <a:headEnd type="none" w="med" len="med"/>
+                      <a:tailEnd type="none" w="med" len="med"/>
+                    </a:lnT>
+                    <a:lnB w="6350" cap="flat" cmpd="sng" algn="ctr">
+                      <a:noFill/>
+                      <a:prstDash val="solid"/>
+                      <a:round/>
+                      <a:headEnd type="none" w="med" len="med"/>
+                      <a:tailEnd type="none" w="med" len="med"/>
+                    </a:lnB>
+                    <a:lnTlToBr w="12700" cmpd="sng">
+                      <a:noFill/>
+                      <a:prstDash val="solid"/>
+                    </a:lnTlToBr>
+                    <a:lnBlToTr w="12700" cmpd="sng">
+                      <a:noFill/>
+                      <a:prstDash val="solid"/>
+                    </a:lnBlToTr>
+                  </a:tcPr>
+                </a:tc>
+                <a:tc>
+                  <a:txBody>
+                    <a:bodyPr/>
+                    <a:lstStyle/>
+                    <a:p>
+                      <a:r>
+                        <a:rPr lang="en-US" sz="1000" dirty="0">
+                          <a:latin typeface="Segoe UI" panose="020B0502040204020203" pitchFamily="34" charset="0"/>
+                          <a:cs typeface="Segoe UI" panose="020B0502040204020203" pitchFamily="34" charset="0"/>
+                        </a:rPr>
+                        <a:t>MATH F113</a:t>
+                      </a:r>
+                    </a:p>
+                  </a:txBody>
+                  <a:tcPr marL="36000" marR="36000" marT="36000" marB="36000" anchor="ctr">
+                    <a:lnL w="6350" cap="flat" cmpd="sng" algn="ctr">
+                      <a:solidFill>
+                        <a:schemeClr val="tx1"/>
+                      </a:solidFill>
+                      <a:prstDash val="solid"/>
+                      <a:round/>
+                      <a:headEnd type="none" w="med" len="med"/>
+                      <a:tailEnd type="none" w="med" len="med"/>
+                    </a:lnL>
+                    <a:lnR w="6350" cap="flat" cmpd="sng" algn="ctr">
+                      <a:noFill/>
+                      <a:prstDash val="solid"/>
+                      <a:round/>
+                      <a:headEnd type="none" w="med" len="med"/>
+                      <a:tailEnd type="none" w="med" len="med"/>
+                    </a:lnR>
+                    <a:lnT w="6350" cap="flat" cmpd="sng" algn="ctr">
+                      <a:noFill/>
+                      <a:prstDash val="solid"/>
+                      <a:round/>
+                      <a:headEnd type="none" w="med" len="med"/>
+                      <a:tailEnd type="none" w="med" len="med"/>
+                    </a:lnT>
+                    <a:lnB w="6350" cap="flat" cmpd="sng" algn="ctr">
+                      <a:noFill/>
+                      <a:prstDash val="solid"/>
+                      <a:round/>
+                      <a:headEnd type="none" w="med" len="med"/>
+                      <a:tailEnd type="none" w="med" len="med"/>
+                    </a:lnB>
+                    <a:lnTlToBr w="12700" cmpd="sng">
+                      <a:noFill/>
+                      <a:prstDash val="solid"/>
+                    </a:lnTlToBr>
+                    <a:lnBlToTr w="12700" cmpd="sng">
+                      <a:noFill/>
+                      <a:prstDash val="solid"/>
+                    </a:lnBlToTr>
+                  </a:tcPr>
+                </a:tc>
+                <a:tc>
+                  <a:txBody>
+                    <a:bodyPr/>
+                    <a:lstStyle/>
+                    <a:p>
+                      <a:r>
+                        <a:rPr lang="en-US" sz="1000" dirty="0">
+                          <a:latin typeface="Segoe UI" panose="020B0502040204020203" pitchFamily="34" charset="0"/>
+                          <a:cs typeface="Segoe UI" panose="020B0502040204020203" pitchFamily="34" charset="0"/>
+                        </a:rPr>
+                        <a:t>Probability &amp; Statistics</a:t>
+                      </a:r>
+                    </a:p>
+                  </a:txBody>
+                  <a:tcPr marL="36000" marR="36000" marT="36000" marB="36000" anchor="ctr">
+                    <a:lnL w="6350" cap="flat" cmpd="sng" algn="ctr">
+                      <a:noFill/>
+                      <a:prstDash val="solid"/>
+                      <a:round/>
+                      <a:headEnd type="none" w="med" len="med"/>
+                      <a:tailEnd type="none" w="med" len="med"/>
+                    </a:lnL>
+                    <a:lnR w="6350" cap="flat" cmpd="sng" algn="ctr">
+                      <a:solidFill>
+                        <a:schemeClr val="tx1"/>
+                      </a:solidFill>
+                      <a:prstDash val="solid"/>
+                      <a:round/>
+                      <a:headEnd type="none" w="med" len="med"/>
+                      <a:tailEnd type="none" w="med" len="med"/>
+                    </a:lnR>
+                    <a:lnT w="6350" cap="flat" cmpd="sng" algn="ctr">
+                      <a:noFill/>
+                      <a:prstDash val="solid"/>
+                      <a:round/>
+                      <a:headEnd type="none" w="med" len="med"/>
+                      <a:tailEnd type="none" w="med" len="med"/>
+                    </a:lnT>
+                    <a:lnB w="6350" cap="flat" cmpd="sng" algn="ctr">
+                      <a:noFill/>
+                      <a:prstDash val="solid"/>
+                      <a:round/>
+                      <a:headEnd type="none" w="med" len="med"/>
+                      <a:tailEnd type="none" w="med" len="med"/>
+                    </a:lnB>
+                    <a:lnTlToBr w="12700" cmpd="sng">
+                      <a:noFill/>
+                      <a:prstDash val="solid"/>
+                    </a:lnTlToBr>
+                    <a:lnBlToTr w="12700" cmpd="sng">
+                      <a:noFill/>
+                      <a:prstDash val="solid"/>
+                    </a:lnBlToTr>
+                  </a:tcPr>
+                </a:tc>
+                <a:tc>
+                  <a:txBody>
+                    <a:bodyPr/>
+                    <a:lstStyle/>
+                    <a:p>
+                      <a:r>
+                        <a:rPr kumimoji="0" lang="en-US" sz="1000" b="0" i="0" u="none" strike="noStrike" kern="1200" cap="none" spc="0" normalizeH="0" baseline="0" noProof="0" dirty="0">
+                          <a:ln>
+                            <a:noFill/>
+                          </a:ln>
+                          <a:solidFill>
+                            <a:prstClr val="black"/>
+                          </a:solidFill>
+                          <a:effectLst/>
+                          <a:uLnTx/>
+                          <a:uFillTx/>
+                          <a:latin typeface="Segoe UI" panose="020B0502040204020203" pitchFamily="34" charset="0"/>
+                          <a:ea typeface="+mn-ea"/>
+                          <a:cs typeface="Segoe UI" panose="020B0502040204020203" pitchFamily="34" charset="0"/>
+                        </a:rPr>
+                        <a:t>L1 – Suhail Ahmed Khan	▼</a:t>
+                      </a:r>
+                      <a:endParaRPr lang="en-US" sz="1000" dirty="0">
+                        <a:latin typeface="Segoe UI" panose="020B0502040204020203" pitchFamily="34" charset="0"/>
+                        <a:cs typeface="Segoe UI" panose="020B0502040204020203" pitchFamily="34" charset="0"/>
+                      </a:endParaRPr>
+                    </a:p>
+                  </a:txBody>
+                  <a:tcPr marL="36000" marR="36000" marT="36000" marB="36000" anchor="ctr">
+                    <a:lnL w="6350" cap="flat" cmpd="sng" algn="ctr">
+                      <a:solidFill>
+                        <a:schemeClr val="tx1"/>
+                      </a:solidFill>
+                      <a:prstDash val="solid"/>
+                      <a:round/>
+                      <a:headEnd type="none" w="med" len="med"/>
+                      <a:tailEnd type="none" w="med" len="med"/>
+                    </a:lnL>
+                    <a:lnR w="6350" cap="flat" cmpd="sng" algn="ctr">
+                      <a:solidFill>
+                        <a:schemeClr val="tx1"/>
+                      </a:solidFill>
+                      <a:prstDash val="solid"/>
+                      <a:round/>
+                      <a:headEnd type="none" w="med" len="med"/>
+                      <a:tailEnd type="none" w="med" len="med"/>
+                    </a:lnR>
+                    <a:lnT w="6350" cap="flat" cmpd="sng" algn="ctr">
+                      <a:noFill/>
+                      <a:prstDash val="solid"/>
+                      <a:round/>
+                      <a:headEnd type="none" w="med" len="med"/>
+                      <a:tailEnd type="none" w="med" len="med"/>
+                    </a:lnT>
+                    <a:lnB w="6350" cap="flat" cmpd="sng" algn="ctr">
+                      <a:noFill/>
+                      <a:prstDash val="solid"/>
+                      <a:round/>
+                      <a:headEnd type="none" w="med" len="med"/>
+                      <a:tailEnd type="none" w="med" len="med"/>
+                    </a:lnB>
+                    <a:lnTlToBr w="12700" cmpd="sng">
+                      <a:noFill/>
+                      <a:prstDash val="solid"/>
+                    </a:lnTlToBr>
+                    <a:lnBlToTr w="12700" cmpd="sng">
+                      <a:noFill/>
+                      <a:prstDash val="solid"/>
+                    </a:lnBlToTr>
+                  </a:tcPr>
+                </a:tc>
+                <a:tc>
+                  <a:txBody>
+                    <a:bodyPr/>
+                    <a:lstStyle/>
+                    <a:p>
+                      <a:r>
+                        <a:rPr lang="en-US" sz="1000" kern="1200" noProof="0" dirty="0">
+                          <a:solidFill>
+                            <a:schemeClr val="tx1"/>
+                          </a:solidFill>
+                          <a:latin typeface="Segoe UI" panose="020B0502040204020203" pitchFamily="34" charset="0"/>
+                          <a:ea typeface="+mn-ea"/>
+                          <a:cs typeface="Segoe UI" panose="020B0502040204020203" pitchFamily="34" charset="0"/>
+                        </a:rPr>
+                        <a:t>		</a:t>
+                      </a:r>
+                      <a:r>
+                        <a:rPr lang="en-US" sz="1000" kern="1200" noProof="0" dirty="0">
+                          <a:solidFill>
+                            <a:schemeClr val="bg1">
+                              <a:lumMod val="65000"/>
+                            </a:schemeClr>
+                          </a:solidFill>
+                          <a:latin typeface="Segoe UI" panose="020B0502040204020203" pitchFamily="34" charset="0"/>
+                          <a:ea typeface="+mn-ea"/>
+                          <a:cs typeface="Segoe UI" panose="020B0502040204020203" pitchFamily="34" charset="0"/>
+                        </a:rPr>
+                        <a:t>▼</a:t>
+                      </a:r>
+                      <a:endParaRPr lang="en-US" sz="1000" kern="1200" dirty="0">
+                        <a:solidFill>
+                          <a:schemeClr val="bg1">
+                            <a:lumMod val="65000"/>
+                          </a:schemeClr>
+                        </a:solidFill>
+                        <a:latin typeface="Segoe UI" panose="020B0502040204020203" pitchFamily="34" charset="0"/>
+                        <a:ea typeface="+mn-ea"/>
+                        <a:cs typeface="Segoe UI" panose="020B0502040204020203" pitchFamily="34" charset="0"/>
+                      </a:endParaRPr>
+                    </a:p>
+                  </a:txBody>
+                  <a:tcPr marL="36000" marR="36000" marT="36000" marB="36000" anchor="ctr">
+                    <a:lnL w="6350" cap="flat" cmpd="sng" algn="ctr">
+                      <a:solidFill>
+                        <a:schemeClr val="tx1"/>
+                      </a:solidFill>
+                      <a:prstDash val="solid"/>
+                      <a:round/>
+                      <a:headEnd type="none" w="med" len="med"/>
+                      <a:tailEnd type="none" w="med" len="med"/>
+                    </a:lnL>
+                    <a:lnR w="6350" cap="flat" cmpd="sng" algn="ctr">
+                      <a:noFill/>
+                      <a:prstDash val="solid"/>
+                      <a:round/>
+                      <a:headEnd type="none" w="med" len="med"/>
+                      <a:tailEnd type="none" w="med" len="med"/>
+                    </a:lnR>
+                    <a:lnT w="6350" cap="flat" cmpd="sng" algn="ctr">
+                      <a:noFill/>
+                      <a:prstDash val="solid"/>
+                      <a:round/>
+                      <a:headEnd type="none" w="med" len="med"/>
+                      <a:tailEnd type="none" w="med" len="med"/>
+                    </a:lnT>
+                    <a:lnB w="6350" cap="flat" cmpd="sng" algn="ctr">
+                      <a:noFill/>
+                      <a:prstDash val="solid"/>
+                      <a:round/>
+                      <a:headEnd type="none" w="med" len="med"/>
+                      <a:tailEnd type="none" w="med" len="med"/>
+                    </a:lnB>
+                    <a:lnTlToBr w="12700" cmpd="sng">
+                      <a:noFill/>
+                      <a:prstDash val="solid"/>
+                    </a:lnTlToBr>
+                    <a:lnBlToTr w="12700" cmpd="sng">
+                      <a:noFill/>
+                      <a:prstDash val="solid"/>
+                    </a:lnBlToTr>
+                  </a:tcPr>
+                </a:tc>
+                <a:extLst>
+                  <a:ext uri="{0D108BD9-81ED-4DB2-BD59-A6C34878D82A}">
+                    <a16:rowId xmlns:a16="http://schemas.microsoft.com/office/drawing/2014/main" val="167666514"/>
+                  </a:ext>
+                </a:extLst>
+              </a:tr>
+              <a:tr h="164075">
+                <a:tc>
+                  <a:txBody>
+                    <a:bodyPr/>
+                    <a:lstStyle/>
+                    <a:p>
+                      <a:r>
+                        <a:rPr lang="en-US" sz="1000" dirty="0">
+                          <a:latin typeface="Segoe UI Emoji" panose="020B0502040204020203" pitchFamily="34" charset="0"/>
+                          <a:ea typeface="Segoe UI Emoji" panose="020B0502040204020203" pitchFamily="34" charset="0"/>
+                          <a:cs typeface="Segoe UI" panose="020B0502040204020203" pitchFamily="34" charset="0"/>
+                        </a:rPr>
+                        <a:t>❌</a:t>
+                      </a:r>
+                    </a:p>
+                  </a:txBody>
+                  <a:tcPr marL="36000" marR="36000" marT="36000" marB="36000" anchor="ctr">
+                    <a:lnL w="6350" cap="flat" cmpd="sng" algn="ctr">
+                      <a:noFill/>
+                      <a:prstDash val="solid"/>
+                      <a:round/>
+                      <a:headEnd type="none" w="med" len="med"/>
+                      <a:tailEnd type="none" w="med" len="med"/>
+                    </a:lnL>
+                    <a:lnR w="6350" cap="flat" cmpd="sng" algn="ctr">
+                      <a:solidFill>
+                        <a:schemeClr val="tx1"/>
+                      </a:solidFill>
+                      <a:prstDash val="solid"/>
+                      <a:round/>
+                      <a:headEnd type="none" w="med" len="med"/>
+                      <a:tailEnd type="none" w="med" len="med"/>
+                    </a:lnR>
+                    <a:lnT w="6350" cap="flat" cmpd="sng" algn="ctr">
+                      <a:noFill/>
+                      <a:prstDash val="solid"/>
+                      <a:round/>
+                      <a:headEnd type="none" w="med" len="med"/>
+                      <a:tailEnd type="none" w="med" len="med"/>
+                    </a:lnT>
+                    <a:lnB w="6350" cap="flat" cmpd="sng" algn="ctr">
+                      <a:noFill/>
+                      <a:prstDash val="solid"/>
+                      <a:round/>
+                      <a:headEnd type="none" w="med" len="med"/>
+                      <a:tailEnd type="none" w="med" len="med"/>
+                    </a:lnB>
+                    <a:lnTlToBr w="12700" cmpd="sng">
+                      <a:noFill/>
+                      <a:prstDash val="solid"/>
+                    </a:lnTlToBr>
+                    <a:lnBlToTr w="12700" cmpd="sng">
+                      <a:noFill/>
+                      <a:prstDash val="solid"/>
+                    </a:lnBlToTr>
+                  </a:tcPr>
+                </a:tc>
+                <a:tc>
+                  <a:txBody>
+                    <a:bodyPr/>
+                    <a:lstStyle/>
+                    <a:p>
+                      <a:r>
+                        <a:rPr lang="en-US" sz="1000" dirty="0">
+                          <a:latin typeface="Segoe UI" panose="020B0502040204020203" pitchFamily="34" charset="0"/>
+                          <a:cs typeface="Segoe UI" panose="020B0502040204020203" pitchFamily="34" charset="0"/>
+                        </a:rPr>
+                        <a:t>ME F112</a:t>
+                      </a:r>
+                    </a:p>
+                  </a:txBody>
+                  <a:tcPr marL="36000" marR="36000" marT="36000" marB="36000" anchor="ctr">
+                    <a:lnL w="6350" cap="flat" cmpd="sng" algn="ctr">
+                      <a:solidFill>
+                        <a:schemeClr val="tx1"/>
+                      </a:solidFill>
+                      <a:prstDash val="solid"/>
+                      <a:round/>
+                      <a:headEnd type="none" w="med" len="med"/>
+                      <a:tailEnd type="none" w="med" len="med"/>
+                    </a:lnL>
+                    <a:lnR w="6350" cap="flat" cmpd="sng" algn="ctr">
+                      <a:noFill/>
+                      <a:prstDash val="solid"/>
+                      <a:round/>
+                      <a:headEnd type="none" w="med" len="med"/>
+                      <a:tailEnd type="none" w="med" len="med"/>
+                    </a:lnR>
+                    <a:lnT w="6350" cap="flat" cmpd="sng" algn="ctr">
+                      <a:noFill/>
+                      <a:prstDash val="solid"/>
+                      <a:round/>
+                      <a:headEnd type="none" w="med" len="med"/>
+                      <a:tailEnd type="none" w="med" len="med"/>
+                    </a:lnT>
+                    <a:lnB w="6350" cap="flat" cmpd="sng" algn="ctr">
+                      <a:noFill/>
+                      <a:prstDash val="solid"/>
+                      <a:round/>
+                      <a:headEnd type="none" w="med" len="med"/>
+                      <a:tailEnd type="none" w="med" len="med"/>
+                    </a:lnB>
+                    <a:lnTlToBr w="12700" cmpd="sng">
+                      <a:noFill/>
+                      <a:prstDash val="solid"/>
+                    </a:lnTlToBr>
+                    <a:lnBlToTr w="12700" cmpd="sng">
+                      <a:noFill/>
+                      <a:prstDash val="solid"/>
+                    </a:lnBlToTr>
+                  </a:tcPr>
+                </a:tc>
+                <a:tc>
+                  <a:txBody>
+                    <a:bodyPr/>
+                    <a:lstStyle/>
+                    <a:p>
+                      <a:r>
+                        <a:rPr lang="en-US" sz="1000" dirty="0">
+                          <a:latin typeface="Segoe UI" panose="020B0502040204020203" pitchFamily="34" charset="0"/>
+                          <a:cs typeface="Segoe UI" panose="020B0502040204020203" pitchFamily="34" charset="0"/>
+                        </a:rPr>
+                        <a:t>Workshop Practice</a:t>
+                      </a:r>
+                    </a:p>
+                  </a:txBody>
+                  <a:tcPr marL="36000" marR="36000" marT="36000" marB="36000" anchor="ctr">
+                    <a:lnL w="6350" cap="flat" cmpd="sng" algn="ctr">
+                      <a:noFill/>
+                      <a:prstDash val="solid"/>
+                      <a:round/>
+                      <a:headEnd type="none" w="med" len="med"/>
+                      <a:tailEnd type="none" w="med" len="med"/>
+                    </a:lnL>
+                    <a:lnR w="6350" cap="flat" cmpd="sng" algn="ctr">
+                      <a:solidFill>
+                        <a:schemeClr val="tx1"/>
+                      </a:solidFill>
+                      <a:prstDash val="solid"/>
+                      <a:round/>
+                      <a:headEnd type="none" w="med" len="med"/>
+                      <a:tailEnd type="none" w="med" len="med"/>
+                    </a:lnR>
+                    <a:lnT w="6350" cap="flat" cmpd="sng" algn="ctr">
+                      <a:noFill/>
+                      <a:prstDash val="solid"/>
+                      <a:round/>
+                      <a:headEnd type="none" w="med" len="med"/>
+                      <a:tailEnd type="none" w="med" len="med"/>
+                    </a:lnT>
+                    <a:lnB w="6350" cap="flat" cmpd="sng" algn="ctr">
+                      <a:noFill/>
+                      <a:prstDash val="solid"/>
+                      <a:round/>
+                      <a:headEnd type="none" w="med" len="med"/>
+                      <a:tailEnd type="none" w="med" len="med"/>
+                    </a:lnB>
+                    <a:lnTlToBr w="12700" cmpd="sng">
+                      <a:noFill/>
+                      <a:prstDash val="solid"/>
+                    </a:lnTlToBr>
+                    <a:lnBlToTr w="12700" cmpd="sng">
+                      <a:noFill/>
+                      <a:prstDash val="solid"/>
+                    </a:lnBlToTr>
+                  </a:tcPr>
+                </a:tc>
+                <a:tc>
+                  <a:txBody>
+                    <a:bodyPr/>
+                    <a:lstStyle/>
+                    <a:p>
+                      <a:r>
+                        <a:rPr kumimoji="0" lang="en-US" sz="1000" b="0" i="0" u="none" strike="noStrike" kern="1200" cap="none" spc="0" normalizeH="0" baseline="0" noProof="0" dirty="0">
+                          <a:ln>
+                            <a:noFill/>
+                          </a:ln>
+                          <a:solidFill>
+                            <a:prstClr val="black"/>
+                          </a:solidFill>
+                          <a:effectLst/>
+                          <a:uLnTx/>
+                          <a:uFillTx/>
+                          <a:latin typeface="Segoe UI" panose="020B0502040204020203" pitchFamily="34" charset="0"/>
+                          <a:ea typeface="+mn-ea"/>
+                          <a:cs typeface="Segoe UI" panose="020B0502040204020203" pitchFamily="34" charset="0"/>
+                        </a:rPr>
+                        <a:t>L1 – Ravindra Bhardwaj	▼</a:t>
+                      </a:r>
+                      <a:endParaRPr lang="en-US" sz="1000" dirty="0">
+                        <a:latin typeface="Segoe UI" panose="020B0502040204020203" pitchFamily="34" charset="0"/>
+                        <a:cs typeface="Segoe UI" panose="020B0502040204020203" pitchFamily="34" charset="0"/>
+                      </a:endParaRPr>
+                    </a:p>
+                  </a:txBody>
+                  <a:tcPr marL="36000" marR="36000" marT="36000" marB="36000" anchor="ctr">
+                    <a:lnL w="6350" cap="flat" cmpd="sng" algn="ctr">
+                      <a:solidFill>
+                        <a:schemeClr val="tx1"/>
+                      </a:solidFill>
+                      <a:prstDash val="solid"/>
+                      <a:round/>
+                      <a:headEnd type="none" w="med" len="med"/>
+                      <a:tailEnd type="none" w="med" len="med"/>
+                    </a:lnL>
+                    <a:lnR w="6350" cap="flat" cmpd="sng" algn="ctr">
+                      <a:solidFill>
+                        <a:schemeClr val="tx1"/>
+                      </a:solidFill>
+                      <a:prstDash val="solid"/>
+                      <a:round/>
+                      <a:headEnd type="none" w="med" len="med"/>
+                      <a:tailEnd type="none" w="med" len="med"/>
+                    </a:lnR>
+                    <a:lnT w="6350" cap="flat" cmpd="sng" algn="ctr">
+                      <a:noFill/>
+                      <a:prstDash val="solid"/>
+                      <a:round/>
+                      <a:headEnd type="none" w="med" len="med"/>
+                      <a:tailEnd type="none" w="med" len="med"/>
+                    </a:lnT>
+                    <a:lnB w="6350" cap="flat" cmpd="sng" algn="ctr">
+                      <a:noFill/>
+                      <a:prstDash val="solid"/>
+                      <a:round/>
+                      <a:headEnd type="none" w="med" len="med"/>
+                      <a:tailEnd type="none" w="med" len="med"/>
+                    </a:lnB>
+                    <a:lnTlToBr w="12700" cmpd="sng">
+                      <a:noFill/>
+                      <a:prstDash val="solid"/>
+                    </a:lnTlToBr>
+                    <a:lnBlToTr w="12700" cmpd="sng">
+                      <a:noFill/>
+                      <a:prstDash val="solid"/>
+                    </a:lnBlToTr>
+                  </a:tcPr>
+                </a:tc>
+                <a:tc>
+                  <a:txBody>
+                    <a:bodyPr/>
+                    <a:lstStyle/>
+                    <a:p>
+                      <a:r>
+                        <a:rPr lang="en-US" sz="1000" kern="1200" noProof="0" dirty="0">
+                          <a:solidFill>
+                            <a:schemeClr val="tx1"/>
+                          </a:solidFill>
+                          <a:latin typeface="Segoe UI" panose="020B0502040204020203" pitchFamily="34" charset="0"/>
+                          <a:ea typeface="+mn-ea"/>
+                          <a:cs typeface="Segoe UI" panose="020B0502040204020203" pitchFamily="34" charset="0"/>
+                        </a:rPr>
+                        <a:t>P1 – Harpreet Singh	▼</a:t>
+                      </a:r>
+                      <a:endParaRPr lang="en-US" sz="1000" kern="1200" dirty="0">
+                        <a:solidFill>
+                          <a:schemeClr val="tx1"/>
+                        </a:solidFill>
+                        <a:latin typeface="Segoe UI" panose="020B0502040204020203" pitchFamily="34" charset="0"/>
+                        <a:ea typeface="+mn-ea"/>
+                        <a:cs typeface="Segoe UI" panose="020B0502040204020203" pitchFamily="34" charset="0"/>
+                      </a:endParaRPr>
+                    </a:p>
+                  </a:txBody>
+                  <a:tcPr marL="36000" marR="36000" marT="36000" marB="36000" anchor="ctr">
+                    <a:lnL w="6350" cap="flat" cmpd="sng" algn="ctr">
+                      <a:solidFill>
+                        <a:schemeClr val="tx1"/>
+                      </a:solidFill>
+                      <a:prstDash val="solid"/>
+                      <a:round/>
+                      <a:headEnd type="none" w="med" len="med"/>
+                      <a:tailEnd type="none" w="med" len="med"/>
+                    </a:lnL>
+                    <a:lnR w="6350" cap="flat" cmpd="sng" algn="ctr">
+                      <a:noFill/>
+                      <a:prstDash val="solid"/>
+                      <a:round/>
+                      <a:headEnd type="none" w="med" len="med"/>
+                      <a:tailEnd type="none" w="med" len="med"/>
+                    </a:lnR>
+                    <a:lnT w="6350" cap="flat" cmpd="sng" algn="ctr">
+                      <a:noFill/>
+                      <a:prstDash val="solid"/>
+                      <a:round/>
+                      <a:headEnd type="none" w="med" len="med"/>
+                      <a:tailEnd type="none" w="med" len="med"/>
+                    </a:lnT>
+                    <a:lnB w="6350" cap="flat" cmpd="sng" algn="ctr">
+                      <a:noFill/>
+                      <a:prstDash val="solid"/>
+                      <a:round/>
+                      <a:headEnd type="none" w="med" len="med"/>
+                      <a:tailEnd type="none" w="med" len="med"/>
+                    </a:lnB>
+                    <a:lnTlToBr w="12700" cmpd="sng">
+                      <a:noFill/>
+                      <a:prstDash val="solid"/>
+                    </a:lnTlToBr>
+                    <a:lnBlToTr w="12700" cmpd="sng">
+                      <a:noFill/>
+                      <a:prstDash val="solid"/>
+                    </a:lnBlToTr>
+                  </a:tcPr>
+                </a:tc>
+                <a:extLst>
+                  <a:ext uri="{0D108BD9-81ED-4DB2-BD59-A6C34878D82A}">
+                    <a16:rowId xmlns:a16="http://schemas.microsoft.com/office/drawing/2014/main" val="1570380758"/>
+                  </a:ext>
+                </a:extLst>
+              </a:tr>
+            </a:tbl>
+          </a:graphicData>
+        </a:graphic>
+      </p:graphicFrame>
+      <p:sp>
+        <p:nvSpPr>
+          <p:cNvPr id="26" name="Rectangle: Rounded Corners 25">
+            <a:extLst>
+              <a:ext uri="{FF2B5EF4-FFF2-40B4-BE49-F238E27FC236}">
+                <a16:creationId xmlns:a16="http://schemas.microsoft.com/office/drawing/2014/main" id="{4FF80658-DAE8-849E-63B2-D20D8C2B5303}"/>
+              </a:ext>
+            </a:extLst>
+          </p:cNvPr>
+          <p:cNvSpPr/>
+          <p:nvPr/>
+        </p:nvSpPr>
+        <p:spPr>
+          <a:xfrm>
+            <a:off x="-1210771" y="872055"/>
+            <a:ext cx="1185005" cy="1028700"/>
+          </a:xfrm>
+          <a:prstGeom prst="roundRect">
+            <a:avLst/>
+          </a:prstGeom>
+        </p:spPr>
+        <p:style>
+          <a:lnRef idx="2">
+            <a:schemeClr val="accent4">
+              <a:shade val="15000"/>
+            </a:schemeClr>
+          </a:lnRef>
+          <a:fillRef idx="1">
+            <a:schemeClr val="accent4"/>
+          </a:fillRef>
+          <a:effectRef idx="0">
+            <a:schemeClr val="accent4"/>
+          </a:effectRef>
+          <a:fontRef idx="minor">
+            <a:schemeClr val="lt1"/>
+          </a:fontRef>
+        </p:style>
+        <p:txBody>
+          <a:bodyPr rtlCol="0" anchor="ctr"/>
+          <a:lstStyle/>
+          <a:p>
+            <a:pPr algn="ctr"/>
+            <a:r>
+              <a:rPr lang="en-US" sz="1000" dirty="0">
+                <a:latin typeface="Segoe UI" panose="020B0502040204020203" pitchFamily="34" charset="0"/>
+                <a:ea typeface="Segoe UI Emoji" panose="020B0502040204020203" pitchFamily="34" charset="0"/>
+                <a:cs typeface="Segoe UI" panose="020B0502040204020203" pitchFamily="34" charset="0"/>
+              </a:rPr>
+              <a:t>Don’t use select, since it doesn’t render as a full </a:t>
+            </a:r>
+            <a:r>
+              <a:rPr lang="en-US" sz="1000" dirty="0" err="1">
+                <a:latin typeface="Segoe UI" panose="020B0502040204020203" pitchFamily="34" charset="0"/>
+                <a:ea typeface="Segoe UI Emoji" panose="020B0502040204020203" pitchFamily="34" charset="0"/>
+                <a:cs typeface="Segoe UI" panose="020B0502040204020203" pitchFamily="34" charset="0"/>
+              </a:rPr>
+              <a:t>listbox</a:t>
+            </a:r>
+            <a:r>
+              <a:rPr lang="en-US" sz="1000" dirty="0">
+                <a:latin typeface="Segoe UI" panose="020B0502040204020203" pitchFamily="34" charset="0"/>
+                <a:ea typeface="Segoe UI Emoji" panose="020B0502040204020203" pitchFamily="34" charset="0"/>
+                <a:cs typeface="Segoe UI" panose="020B0502040204020203" pitchFamily="34" charset="0"/>
+              </a:rPr>
+              <a:t> on mobile.</a:t>
+            </a:r>
+          </a:p>
+        </p:txBody>
+      </p:sp>
+      <p:cxnSp>
+        <p:nvCxnSpPr>
+          <p:cNvPr id="28" name="Connector: Elbow 27">
+            <a:extLst>
+              <a:ext uri="{FF2B5EF4-FFF2-40B4-BE49-F238E27FC236}">
+                <a16:creationId xmlns:a16="http://schemas.microsoft.com/office/drawing/2014/main" id="{1113FCE4-FE4B-CB52-A848-016180E05CE6}"/>
+              </a:ext>
+            </a:extLst>
+          </p:cNvPr>
+          <p:cNvCxnSpPr>
+            <a:cxnSpLocks/>
+            <a:stCxn id="26" idx="2"/>
+            <a:endCxn id="6" idx="1"/>
+          </p:cNvCxnSpPr>
+          <p:nvPr/>
+        </p:nvCxnSpPr>
+        <p:spPr>
+          <a:xfrm rot="16200000" flipH="1">
+            <a:off x="-208059" y="1490546"/>
+            <a:ext cx="483650" cy="1304068"/>
+          </a:xfrm>
+          <a:prstGeom prst="bentConnector2">
+            <a:avLst/>
+          </a:prstGeom>
+          <a:ln>
+            <a:tailEnd type="triangle"/>
+          </a:ln>
+        </p:spPr>
+        <p:style>
+          <a:lnRef idx="1">
+            <a:schemeClr val="accent4"/>
+          </a:lnRef>
+          <a:fillRef idx="0">
+            <a:schemeClr val="accent4"/>
+          </a:fillRef>
+          <a:effectRef idx="0">
+            <a:schemeClr val="accent4"/>
+          </a:effectRef>
+          <a:fontRef idx="minor">
+            <a:schemeClr val="tx1"/>
+          </a:fontRef>
+        </p:style>
+      </p:cxnSp>
+      <p:sp>
+        <p:nvSpPr>
+          <p:cNvPr id="31" name="TextBox 30">
+            <a:extLst>
+              <a:ext uri="{FF2B5EF4-FFF2-40B4-BE49-F238E27FC236}">
+                <a16:creationId xmlns:a16="http://schemas.microsoft.com/office/drawing/2014/main" id="{0F120B02-9C0D-655C-7987-CE7EB3520F6C}"/>
+              </a:ext>
+            </a:extLst>
+          </p:cNvPr>
+          <p:cNvSpPr txBox="1"/>
+          <p:nvPr/>
+        </p:nvSpPr>
+        <p:spPr>
+          <a:xfrm>
+            <a:off x="3378200" y="1276410"/>
+            <a:ext cx="2708030" cy="246221"/>
+          </a:xfrm>
+          <a:prstGeom prst="rect">
+            <a:avLst/>
+          </a:prstGeom>
+          <a:noFill/>
+        </p:spPr>
+        <p:txBody>
+          <a:bodyPr wrap="square" rtlCol="0" anchor="ctr">
+            <a:spAutoFit/>
+          </a:bodyPr>
+          <a:lstStyle/>
+          <a:p>
+            <a:r>
+              <a:rPr lang="en-US" sz="1000" dirty="0">
                 <a:latin typeface="Segoe UI" panose="020B0502040204020203" pitchFamily="34" charset="0"/>
                 <a:cs typeface="Segoe UI" panose="020B0502040204020203" pitchFamily="34" charset="0"/>
               </a:rPr>
-              <a:t>edit title</a:t>
-            </a:r>
-            <a:endParaRPr lang="en-US" sz="1000" dirty="0">
-              <a:latin typeface="Segoe UI" panose="020B0502040204020203" pitchFamily="34" charset="0"/>
+              <a:t>Your selected courses:</a:t>
+            </a:r>
+          </a:p>
+        </p:txBody>
+      </p:sp>
+      <p:sp>
+        <p:nvSpPr>
+          <p:cNvPr id="34" name="Rectangle: Rounded Corners 33">
+            <a:extLst>
+              <a:ext uri="{FF2B5EF4-FFF2-40B4-BE49-F238E27FC236}">
+                <a16:creationId xmlns:a16="http://schemas.microsoft.com/office/drawing/2014/main" id="{E2457A71-68B1-95C2-7173-968100BD8A24}"/>
+              </a:ext>
+            </a:extLst>
+          </p:cNvPr>
+          <p:cNvSpPr/>
+          <p:nvPr/>
+        </p:nvSpPr>
+        <p:spPr>
+          <a:xfrm>
+            <a:off x="9284677" y="5873260"/>
+            <a:ext cx="1222131" cy="422031"/>
+          </a:xfrm>
+          <a:prstGeom prst="roundRect">
+            <a:avLst>
+              <a:gd name="adj" fmla="val 16667"/>
+            </a:avLst>
+          </a:prstGeom>
+          <a:solidFill>
+            <a:srgbClr val="F0F0F0"/>
+          </a:solidFill>
+          <a:ln>
+            <a:noFill/>
+          </a:ln>
+        </p:spPr>
+        <p:style>
+          <a:lnRef idx="2">
+            <a:schemeClr val="dk1"/>
+          </a:lnRef>
+          <a:fillRef idx="1">
+            <a:schemeClr val="lt1"/>
+          </a:fillRef>
+          <a:effectRef idx="0">
+            <a:schemeClr val="dk1"/>
+          </a:effectRef>
+          <a:fontRef idx="minor">
+            <a:schemeClr val="dk1"/>
+          </a:fontRef>
+        </p:style>
+        <p:txBody>
+          <a:bodyPr rtlCol="0" anchor="ctr"/>
+          <a:lstStyle/>
+          <a:p>
+            <a:pPr algn="ctr"/>
+            <a:r>
+              <a:rPr lang="en-US" sz="1500">
+                <a:latin typeface="Segoe UI Emoji" panose="020B0502040204020203" pitchFamily="34" charset="0"/>
+                <a:ea typeface="Segoe UI Emoji" panose="020B0502040204020203" pitchFamily="34" charset="0"/>
+                <a:cs typeface="Segoe UI" panose="020B0502040204020203" pitchFamily="34" charset="0"/>
+              </a:rPr>
+              <a:t>❌ Discard</a:t>
+            </a:r>
+            <a:endParaRPr lang="en-US" sz="1500" dirty="0">
+              <a:latin typeface="Segoe UI Emoji" panose="020B0502040204020203" pitchFamily="34" charset="0"/>
+              <a:ea typeface="Segoe UI Emoji" panose="020B0502040204020203" pitchFamily="34" charset="0"/>
               <a:cs typeface="Segoe UI" panose="020B0502040204020203" pitchFamily="34" charset="0"/>
             </a:endParaRPr>
+          </a:p>
+        </p:txBody>
+      </p:sp>
+      <p:sp>
+        <p:nvSpPr>
+          <p:cNvPr id="35" name="Rectangle: Rounded Corners 34">
+            <a:extLst>
+              <a:ext uri="{FF2B5EF4-FFF2-40B4-BE49-F238E27FC236}">
+                <a16:creationId xmlns:a16="http://schemas.microsoft.com/office/drawing/2014/main" id="{F7C1B7D2-FD47-6CC3-BAF7-CCDFF0F9ED9D}"/>
+              </a:ext>
+            </a:extLst>
+          </p:cNvPr>
+          <p:cNvSpPr/>
+          <p:nvPr/>
+        </p:nvSpPr>
+        <p:spPr>
+          <a:xfrm>
+            <a:off x="10603523" y="5873260"/>
+            <a:ext cx="981685" cy="422031"/>
+          </a:xfrm>
+          <a:prstGeom prst="roundRect">
+            <a:avLst>
+              <a:gd name="adj" fmla="val 16667"/>
+            </a:avLst>
+          </a:prstGeom>
+          <a:solidFill>
+            <a:srgbClr val="80F080"/>
+          </a:solidFill>
+          <a:ln>
+            <a:noFill/>
+          </a:ln>
+        </p:spPr>
+        <p:style>
+          <a:lnRef idx="2">
+            <a:schemeClr val="dk1"/>
+          </a:lnRef>
+          <a:fillRef idx="1">
+            <a:schemeClr val="lt1"/>
+          </a:fillRef>
+          <a:effectRef idx="0">
+            <a:schemeClr val="dk1"/>
+          </a:effectRef>
+          <a:fontRef idx="minor">
+            <a:schemeClr val="dk1"/>
+          </a:fontRef>
+        </p:style>
+        <p:txBody>
+          <a:bodyPr rtlCol="0" anchor="ctr"/>
+          <a:lstStyle/>
+          <a:p>
+            <a:pPr algn="ctr"/>
+            <a:r>
+              <a:rPr lang="en-US" sz="1500" dirty="0">
+                <a:latin typeface="Segoe UI Emoji" panose="020B0502040204020203" pitchFamily="34" charset="0"/>
+                <a:ea typeface="Segoe UI Emoji" panose="020B0502040204020203" pitchFamily="34" charset="0"/>
+                <a:cs typeface="Segoe UI" panose="020B0502040204020203" pitchFamily="34" charset="0"/>
+              </a:rPr>
+              <a:t>✔ Save</a:t>
+            </a:r>
+          </a:p>
+        </p:txBody>
+      </p:sp>
+      <p:sp>
+        <p:nvSpPr>
+          <p:cNvPr id="37" name="Rectangle: Rounded Corners 36">
+            <a:extLst>
+              <a:ext uri="{FF2B5EF4-FFF2-40B4-BE49-F238E27FC236}">
+                <a16:creationId xmlns:a16="http://schemas.microsoft.com/office/drawing/2014/main" id="{A4140403-D2F1-310C-4C7D-80D8828F61AB}"/>
+              </a:ext>
+            </a:extLst>
+          </p:cNvPr>
+          <p:cNvSpPr/>
+          <p:nvPr/>
+        </p:nvSpPr>
+        <p:spPr>
+          <a:xfrm>
+            <a:off x="685799" y="3428999"/>
+            <a:ext cx="10899409" cy="2262551"/>
+          </a:xfrm>
+          <a:prstGeom prst="roundRect">
+            <a:avLst/>
+          </a:prstGeom>
+          <a:noFill/>
+          <a:ln>
+            <a:solidFill>
+              <a:schemeClr val="bg1">
+                <a:lumMod val="65000"/>
+              </a:schemeClr>
+            </a:solidFill>
+            <a:prstDash val="lgDash"/>
+          </a:ln>
+        </p:spPr>
+        <p:style>
+          <a:lnRef idx="2">
+            <a:schemeClr val="accent1">
+              <a:shade val="15000"/>
+            </a:schemeClr>
+          </a:lnRef>
+          <a:fillRef idx="1">
+            <a:schemeClr val="accent1"/>
+          </a:fillRef>
+          <a:effectRef idx="0">
+            <a:schemeClr val="accent1"/>
+          </a:effectRef>
+          <a:fontRef idx="minor">
+            <a:schemeClr val="lt1"/>
+          </a:fontRef>
+        </p:style>
+        <p:txBody>
+          <a:bodyPr rtlCol="0" anchor="ctr"/>
+          <a:lstStyle/>
+          <a:p>
+            <a:pPr algn="ctr"/>
+            <a:r>
+              <a:rPr lang="en-US" dirty="0">
+                <a:solidFill>
+                  <a:schemeClr val="bg1">
+                    <a:lumMod val="65000"/>
+                  </a:schemeClr>
+                </a:solidFill>
+                <a:latin typeface="Segoe UI" panose="020B0502040204020203" pitchFamily="34" charset="0"/>
+                <a:cs typeface="Segoe UI" panose="020B0502040204020203" pitchFamily="34" charset="0"/>
+              </a:rPr>
+              <a:t>Timetable render</a:t>
+            </a:r>
           </a:p>
         </p:txBody>
       </p:sp>
